--- a/RWorkshopBonus-AbstractOrientation.pptx
+++ b/RWorkshopBonus-AbstractOrientation.pptx
@@ -115,6 +115,22 @@
       </a:defRPr>
     </a:lvl9pPr>
   </p:defaultTextStyle>
+  <p:extLst>
+    <p:ext uri="{EFAFB233-063F-42B5-8137-9DF3F51BA10A}">
+      <p15:sldGuideLst xmlns:p15="http://schemas.microsoft.com/office/powerpoint/2012/main">
+        <p15:guide id="1" orient="horz" pos="2160">
+          <p15:clr>
+            <a:srgbClr val="A4A3A4"/>
+          </p15:clr>
+        </p15:guide>
+        <p15:guide id="2" pos="2880">
+          <p15:clr>
+            <a:srgbClr val="A4A3A4"/>
+          </p15:clr>
+        </p15:guide>
+      </p15:sldGuideLst>
+    </p:ext>
+  </p:extLst>
 </p:presentation>
 </file>
 
@@ -156,10 +172,9 @@
           <a:lstStyle/>
           <a:p>
             <a:r>
-              <a:rPr lang="en-US" smtClean="0"/>
+              <a:rPr lang="en-US"/>
               <a:t>Click to edit Master title style</a:t>
             </a:r>
-            <a:endParaRPr lang="en-US"/>
           </a:p>
         </p:txBody>
       </p:sp>
@@ -275,10 +290,9 @@
           </a:lstStyle>
           <a:p>
             <a:r>
-              <a:rPr lang="en-US" smtClean="0"/>
+              <a:rPr lang="en-US"/>
               <a:t>Click to edit Master subtitle style</a:t>
             </a:r>
-            <a:endParaRPr lang="en-US"/>
           </a:p>
         </p:txBody>
       </p:sp>
@@ -299,7 +313,7 @@
           <a:p>
             <a:fld id="{17C56B74-080E-4B5F-9FC6-14C2AADA9F3A}" type="datetimeFigureOut">
               <a:rPr lang="en-US" smtClean="0"/>
-              <a:t>6/13/19</a:t>
+              <a:t>1/7/21</a:t>
             </a:fld>
             <a:endParaRPr lang="en-US"/>
           </a:p>
@@ -393,10 +407,9 @@
           <a:lstStyle/>
           <a:p>
             <a:r>
-              <a:rPr lang="en-US" smtClean="0"/>
+              <a:rPr lang="en-US"/>
               <a:t>Click to edit Master title style</a:t>
             </a:r>
-            <a:endParaRPr lang="en-US"/>
           </a:p>
         </p:txBody>
       </p:sp>
@@ -417,38 +430,37 @@
           <a:p>
             <a:pPr lvl="0"/>
             <a:r>
-              <a:rPr lang="en-US" smtClean="0"/>
+              <a:rPr lang="en-US"/>
               <a:t>Click to edit Master text styles</a:t>
             </a:r>
           </a:p>
           <a:p>
             <a:pPr lvl="1"/>
             <a:r>
-              <a:rPr lang="en-US" smtClean="0"/>
+              <a:rPr lang="en-US"/>
               <a:t>Second level</a:t>
             </a:r>
           </a:p>
           <a:p>
             <a:pPr lvl="2"/>
             <a:r>
-              <a:rPr lang="en-US" smtClean="0"/>
+              <a:rPr lang="en-US"/>
               <a:t>Third level</a:t>
             </a:r>
           </a:p>
           <a:p>
             <a:pPr lvl="3"/>
             <a:r>
-              <a:rPr lang="en-US" smtClean="0"/>
+              <a:rPr lang="en-US"/>
               <a:t>Fourth level</a:t>
             </a:r>
           </a:p>
           <a:p>
             <a:pPr lvl="4"/>
             <a:r>
-              <a:rPr lang="en-US" smtClean="0"/>
+              <a:rPr lang="en-US"/>
               <a:t>Fifth level</a:t>
             </a:r>
-            <a:endParaRPr lang="en-US"/>
           </a:p>
         </p:txBody>
       </p:sp>
@@ -469,7 +481,7 @@
           <a:p>
             <a:fld id="{17C56B74-080E-4B5F-9FC6-14C2AADA9F3A}" type="datetimeFigureOut">
               <a:rPr lang="en-US" smtClean="0"/>
-              <a:t>6/13/19</a:t>
+              <a:t>1/7/21</a:t>
             </a:fld>
             <a:endParaRPr lang="en-US"/>
           </a:p>
@@ -568,10 +580,9 @@
           <a:lstStyle/>
           <a:p>
             <a:r>
-              <a:rPr lang="en-US" smtClean="0"/>
+              <a:rPr lang="en-US"/>
               <a:t>Click to edit Master title style</a:t>
             </a:r>
-            <a:endParaRPr lang="en-US"/>
           </a:p>
         </p:txBody>
       </p:sp>
@@ -597,38 +608,37 @@
           <a:p>
             <a:pPr lvl="0"/>
             <a:r>
-              <a:rPr lang="en-US" smtClean="0"/>
+              <a:rPr lang="en-US"/>
               <a:t>Click to edit Master text styles</a:t>
             </a:r>
           </a:p>
           <a:p>
             <a:pPr lvl="1"/>
             <a:r>
-              <a:rPr lang="en-US" smtClean="0"/>
+              <a:rPr lang="en-US"/>
               <a:t>Second level</a:t>
             </a:r>
           </a:p>
           <a:p>
             <a:pPr lvl="2"/>
             <a:r>
-              <a:rPr lang="en-US" smtClean="0"/>
+              <a:rPr lang="en-US"/>
               <a:t>Third level</a:t>
             </a:r>
           </a:p>
           <a:p>
             <a:pPr lvl="3"/>
             <a:r>
-              <a:rPr lang="en-US" smtClean="0"/>
+              <a:rPr lang="en-US"/>
               <a:t>Fourth level</a:t>
             </a:r>
           </a:p>
           <a:p>
             <a:pPr lvl="4"/>
             <a:r>
-              <a:rPr lang="en-US" smtClean="0"/>
+              <a:rPr lang="en-US"/>
               <a:t>Fifth level</a:t>
             </a:r>
-            <a:endParaRPr lang="en-US"/>
           </a:p>
         </p:txBody>
       </p:sp>
@@ -649,7 +659,7 @@
           <a:p>
             <a:fld id="{17C56B74-080E-4B5F-9FC6-14C2AADA9F3A}" type="datetimeFigureOut">
               <a:rPr lang="en-US" smtClean="0"/>
-              <a:t>6/13/19</a:t>
+              <a:t>1/7/21</a:t>
             </a:fld>
             <a:endParaRPr lang="en-US"/>
           </a:p>
@@ -743,10 +753,9 @@
           <a:lstStyle/>
           <a:p>
             <a:r>
-              <a:rPr lang="en-US" smtClean="0"/>
+              <a:rPr lang="en-US"/>
               <a:t>Click to edit Master title style</a:t>
             </a:r>
-            <a:endParaRPr lang="en-US"/>
           </a:p>
         </p:txBody>
       </p:sp>
@@ -767,38 +776,37 @@
           <a:p>
             <a:pPr lvl="0"/>
             <a:r>
-              <a:rPr lang="en-US" smtClean="0"/>
+              <a:rPr lang="en-US"/>
               <a:t>Click to edit Master text styles</a:t>
             </a:r>
           </a:p>
           <a:p>
             <a:pPr lvl="1"/>
             <a:r>
-              <a:rPr lang="en-US" smtClean="0"/>
+              <a:rPr lang="en-US"/>
               <a:t>Second level</a:t>
             </a:r>
           </a:p>
           <a:p>
             <a:pPr lvl="2"/>
             <a:r>
-              <a:rPr lang="en-US" smtClean="0"/>
+              <a:rPr lang="en-US"/>
               <a:t>Third level</a:t>
             </a:r>
           </a:p>
           <a:p>
             <a:pPr lvl="3"/>
             <a:r>
-              <a:rPr lang="en-US" smtClean="0"/>
+              <a:rPr lang="en-US"/>
               <a:t>Fourth level</a:t>
             </a:r>
           </a:p>
           <a:p>
             <a:pPr lvl="4"/>
             <a:r>
-              <a:rPr lang="en-US" smtClean="0"/>
+              <a:rPr lang="en-US"/>
               <a:t>Fifth level</a:t>
             </a:r>
-            <a:endParaRPr lang="en-US"/>
           </a:p>
         </p:txBody>
       </p:sp>
@@ -819,7 +827,7 @@
           <a:p>
             <a:fld id="{17C56B74-080E-4B5F-9FC6-14C2AADA9F3A}" type="datetimeFigureOut">
               <a:rPr lang="en-US" smtClean="0"/>
-              <a:t>6/13/19</a:t>
+              <a:t>1/7/21</a:t>
             </a:fld>
             <a:endParaRPr lang="en-US"/>
           </a:p>
@@ -922,10 +930,9 @@
           </a:lstStyle>
           <a:p>
             <a:r>
-              <a:rPr lang="en-US" smtClean="0"/>
+              <a:rPr lang="en-US"/>
               <a:t>Click to edit Master title style</a:t>
             </a:r>
-            <a:endParaRPr lang="en-US"/>
           </a:p>
         </p:txBody>
       </p:sp>
@@ -1042,7 +1049,7 @@
           <a:p>
             <a:pPr lvl="0"/>
             <a:r>
-              <a:rPr lang="en-US" smtClean="0"/>
+              <a:rPr lang="en-US"/>
               <a:t>Click to edit Master text styles</a:t>
             </a:r>
           </a:p>
@@ -1065,7 +1072,7 @@
           <a:p>
             <a:fld id="{17C56B74-080E-4B5F-9FC6-14C2AADA9F3A}" type="datetimeFigureOut">
               <a:rPr lang="en-US" smtClean="0"/>
-              <a:t>6/13/19</a:t>
+              <a:t>1/7/21</a:t>
             </a:fld>
             <a:endParaRPr lang="en-US"/>
           </a:p>
@@ -1159,10 +1166,9 @@
           <a:lstStyle/>
           <a:p>
             <a:r>
-              <a:rPr lang="en-US" smtClean="0"/>
+              <a:rPr lang="en-US"/>
               <a:t>Click to edit Master title style</a:t>
             </a:r>
-            <a:endParaRPr lang="en-US"/>
           </a:p>
         </p:txBody>
       </p:sp>
@@ -1216,38 +1222,37 @@
           <a:p>
             <a:pPr lvl="0"/>
             <a:r>
-              <a:rPr lang="en-US" smtClean="0"/>
+              <a:rPr lang="en-US"/>
               <a:t>Click to edit Master text styles</a:t>
             </a:r>
           </a:p>
           <a:p>
             <a:pPr lvl="1"/>
             <a:r>
-              <a:rPr lang="en-US" smtClean="0"/>
+              <a:rPr lang="en-US"/>
               <a:t>Second level</a:t>
             </a:r>
           </a:p>
           <a:p>
             <a:pPr lvl="2"/>
             <a:r>
-              <a:rPr lang="en-US" smtClean="0"/>
+              <a:rPr lang="en-US"/>
               <a:t>Third level</a:t>
             </a:r>
           </a:p>
           <a:p>
             <a:pPr lvl="3"/>
             <a:r>
-              <a:rPr lang="en-US" smtClean="0"/>
+              <a:rPr lang="en-US"/>
               <a:t>Fourth level</a:t>
             </a:r>
           </a:p>
           <a:p>
             <a:pPr lvl="4"/>
             <a:r>
-              <a:rPr lang="en-US" smtClean="0"/>
+              <a:rPr lang="en-US"/>
               <a:t>Fifth level</a:t>
             </a:r>
-            <a:endParaRPr lang="en-US"/>
           </a:p>
         </p:txBody>
       </p:sp>
@@ -1301,38 +1306,37 @@
           <a:p>
             <a:pPr lvl="0"/>
             <a:r>
-              <a:rPr lang="en-US" smtClean="0"/>
+              <a:rPr lang="en-US"/>
               <a:t>Click to edit Master text styles</a:t>
             </a:r>
           </a:p>
           <a:p>
             <a:pPr lvl="1"/>
             <a:r>
-              <a:rPr lang="en-US" smtClean="0"/>
+              <a:rPr lang="en-US"/>
               <a:t>Second level</a:t>
             </a:r>
           </a:p>
           <a:p>
             <a:pPr lvl="2"/>
             <a:r>
-              <a:rPr lang="en-US" smtClean="0"/>
+              <a:rPr lang="en-US"/>
               <a:t>Third level</a:t>
             </a:r>
           </a:p>
           <a:p>
             <a:pPr lvl="3"/>
             <a:r>
-              <a:rPr lang="en-US" smtClean="0"/>
+              <a:rPr lang="en-US"/>
               <a:t>Fourth level</a:t>
             </a:r>
           </a:p>
           <a:p>
             <a:pPr lvl="4"/>
             <a:r>
-              <a:rPr lang="en-US" smtClean="0"/>
+              <a:rPr lang="en-US"/>
               <a:t>Fifth level</a:t>
             </a:r>
-            <a:endParaRPr lang="en-US"/>
           </a:p>
         </p:txBody>
       </p:sp>
@@ -1353,7 +1357,7 @@
           <a:p>
             <a:fld id="{17C56B74-080E-4B5F-9FC6-14C2AADA9F3A}" type="datetimeFigureOut">
               <a:rPr lang="en-US" smtClean="0"/>
-              <a:t>6/13/19</a:t>
+              <a:t>1/7/21</a:t>
             </a:fld>
             <a:endParaRPr lang="en-US"/>
           </a:p>
@@ -1451,10 +1455,9 @@
           </a:lstStyle>
           <a:p>
             <a:r>
-              <a:rPr lang="en-US" smtClean="0"/>
+              <a:rPr lang="en-US"/>
               <a:t>Click to edit Master title style</a:t>
             </a:r>
-            <a:endParaRPr lang="en-US"/>
           </a:p>
         </p:txBody>
       </p:sp>
@@ -1517,7 +1520,7 @@
           <a:p>
             <a:pPr lvl="0"/>
             <a:r>
-              <a:rPr lang="en-US" smtClean="0"/>
+              <a:rPr lang="en-US"/>
               <a:t>Click to edit Master text styles</a:t>
             </a:r>
           </a:p>
@@ -1573,38 +1576,37 @@
           <a:p>
             <a:pPr lvl="0"/>
             <a:r>
-              <a:rPr lang="en-US" smtClean="0"/>
+              <a:rPr lang="en-US"/>
               <a:t>Click to edit Master text styles</a:t>
             </a:r>
           </a:p>
           <a:p>
             <a:pPr lvl="1"/>
             <a:r>
-              <a:rPr lang="en-US" smtClean="0"/>
+              <a:rPr lang="en-US"/>
               <a:t>Second level</a:t>
             </a:r>
           </a:p>
           <a:p>
             <a:pPr lvl="2"/>
             <a:r>
-              <a:rPr lang="en-US" smtClean="0"/>
+              <a:rPr lang="en-US"/>
               <a:t>Third level</a:t>
             </a:r>
           </a:p>
           <a:p>
             <a:pPr lvl="3"/>
             <a:r>
-              <a:rPr lang="en-US" smtClean="0"/>
+              <a:rPr lang="en-US"/>
               <a:t>Fourth level</a:t>
             </a:r>
           </a:p>
           <a:p>
             <a:pPr lvl="4"/>
             <a:r>
-              <a:rPr lang="en-US" smtClean="0"/>
+              <a:rPr lang="en-US"/>
               <a:t>Fifth level</a:t>
             </a:r>
-            <a:endParaRPr lang="en-US"/>
           </a:p>
         </p:txBody>
       </p:sp>
@@ -1667,7 +1669,7 @@
           <a:p>
             <a:pPr lvl="0"/>
             <a:r>
-              <a:rPr lang="en-US" smtClean="0"/>
+              <a:rPr lang="en-US"/>
               <a:t>Click to edit Master text styles</a:t>
             </a:r>
           </a:p>
@@ -1723,38 +1725,37 @@
           <a:p>
             <a:pPr lvl="0"/>
             <a:r>
-              <a:rPr lang="en-US" smtClean="0"/>
+              <a:rPr lang="en-US"/>
               <a:t>Click to edit Master text styles</a:t>
             </a:r>
           </a:p>
           <a:p>
             <a:pPr lvl="1"/>
             <a:r>
-              <a:rPr lang="en-US" smtClean="0"/>
+              <a:rPr lang="en-US"/>
               <a:t>Second level</a:t>
             </a:r>
           </a:p>
           <a:p>
             <a:pPr lvl="2"/>
             <a:r>
-              <a:rPr lang="en-US" smtClean="0"/>
+              <a:rPr lang="en-US"/>
               <a:t>Third level</a:t>
             </a:r>
           </a:p>
           <a:p>
             <a:pPr lvl="3"/>
             <a:r>
-              <a:rPr lang="en-US" smtClean="0"/>
+              <a:rPr lang="en-US"/>
               <a:t>Fourth level</a:t>
             </a:r>
           </a:p>
           <a:p>
             <a:pPr lvl="4"/>
             <a:r>
-              <a:rPr lang="en-US" smtClean="0"/>
+              <a:rPr lang="en-US"/>
               <a:t>Fifth level</a:t>
             </a:r>
-            <a:endParaRPr lang="en-US"/>
           </a:p>
         </p:txBody>
       </p:sp>
@@ -1775,7 +1776,7 @@
           <a:p>
             <a:fld id="{17C56B74-080E-4B5F-9FC6-14C2AADA9F3A}" type="datetimeFigureOut">
               <a:rPr lang="en-US" smtClean="0"/>
-              <a:t>6/13/19</a:t>
+              <a:t>1/7/21</a:t>
             </a:fld>
             <a:endParaRPr lang="en-US"/>
           </a:p>
@@ -1869,10 +1870,9 @@
           <a:lstStyle/>
           <a:p>
             <a:r>
-              <a:rPr lang="en-US" smtClean="0"/>
+              <a:rPr lang="en-US"/>
               <a:t>Click to edit Master title style</a:t>
             </a:r>
-            <a:endParaRPr lang="en-US"/>
           </a:p>
         </p:txBody>
       </p:sp>
@@ -1893,7 +1893,7 @@
           <a:p>
             <a:fld id="{17C56B74-080E-4B5F-9FC6-14C2AADA9F3A}" type="datetimeFigureOut">
               <a:rPr lang="en-US" smtClean="0"/>
-              <a:t>6/13/19</a:t>
+              <a:t>1/7/21</a:t>
             </a:fld>
             <a:endParaRPr lang="en-US"/>
           </a:p>
@@ -1988,7 +1988,7 @@
           <a:p>
             <a:fld id="{17C56B74-080E-4B5F-9FC6-14C2AADA9F3A}" type="datetimeFigureOut">
               <a:rPr lang="en-US" smtClean="0"/>
-              <a:t>6/13/19</a:t>
+              <a:t>1/7/21</a:t>
             </a:fld>
             <a:endParaRPr lang="en-US"/>
           </a:p>
@@ -2091,10 +2091,9 @@
           </a:lstStyle>
           <a:p>
             <a:r>
-              <a:rPr lang="en-US" smtClean="0"/>
+              <a:rPr lang="en-US"/>
               <a:t>Click to edit Master title style</a:t>
             </a:r>
-            <a:endParaRPr lang="en-US"/>
           </a:p>
         </p:txBody>
       </p:sp>
@@ -2148,38 +2147,37 @@
           <a:p>
             <a:pPr lvl="0"/>
             <a:r>
-              <a:rPr lang="en-US" smtClean="0"/>
+              <a:rPr lang="en-US"/>
               <a:t>Click to edit Master text styles</a:t>
             </a:r>
           </a:p>
           <a:p>
             <a:pPr lvl="1"/>
             <a:r>
-              <a:rPr lang="en-US" smtClean="0"/>
+              <a:rPr lang="en-US"/>
               <a:t>Second level</a:t>
             </a:r>
           </a:p>
           <a:p>
             <a:pPr lvl="2"/>
             <a:r>
-              <a:rPr lang="en-US" smtClean="0"/>
+              <a:rPr lang="en-US"/>
               <a:t>Third level</a:t>
             </a:r>
           </a:p>
           <a:p>
             <a:pPr lvl="3"/>
             <a:r>
-              <a:rPr lang="en-US" smtClean="0"/>
+              <a:rPr lang="en-US"/>
               <a:t>Fourth level</a:t>
             </a:r>
           </a:p>
           <a:p>
             <a:pPr lvl="4"/>
             <a:r>
-              <a:rPr lang="en-US" smtClean="0"/>
+              <a:rPr lang="en-US"/>
               <a:t>Fifth level</a:t>
             </a:r>
-            <a:endParaRPr lang="en-US"/>
           </a:p>
         </p:txBody>
       </p:sp>
@@ -2242,7 +2240,7 @@
           <a:p>
             <a:pPr lvl="0"/>
             <a:r>
-              <a:rPr lang="en-US" smtClean="0"/>
+              <a:rPr lang="en-US"/>
               <a:t>Click to edit Master text styles</a:t>
             </a:r>
           </a:p>
@@ -2265,7 +2263,7 @@
           <a:p>
             <a:fld id="{17C56B74-080E-4B5F-9FC6-14C2AADA9F3A}" type="datetimeFigureOut">
               <a:rPr lang="en-US" smtClean="0"/>
-              <a:t>6/13/19</a:t>
+              <a:t>1/7/21</a:t>
             </a:fld>
             <a:endParaRPr lang="en-US"/>
           </a:p>
@@ -2368,10 +2366,9 @@
           </a:lstStyle>
           <a:p>
             <a:r>
-              <a:rPr lang="en-US" smtClean="0"/>
+              <a:rPr lang="en-US"/>
               <a:t>Click to edit Master title style</a:t>
             </a:r>
-            <a:endParaRPr lang="en-US"/>
           </a:p>
         </p:txBody>
       </p:sp>
@@ -2495,7 +2492,7 @@
           <a:p>
             <a:pPr lvl="0"/>
             <a:r>
-              <a:rPr lang="en-US" smtClean="0"/>
+              <a:rPr lang="en-US"/>
               <a:t>Click to edit Master text styles</a:t>
             </a:r>
           </a:p>
@@ -2518,7 +2515,7 @@
           <a:p>
             <a:fld id="{17C56B74-080E-4B5F-9FC6-14C2AADA9F3A}" type="datetimeFigureOut">
               <a:rPr lang="en-US" smtClean="0"/>
-              <a:t>6/13/19</a:t>
+              <a:t>1/7/21</a:t>
             </a:fld>
             <a:endParaRPr lang="en-US"/>
           </a:p>
@@ -2627,10 +2624,9 @@
           <a:lstStyle/>
           <a:p>
             <a:r>
-              <a:rPr lang="en-US" smtClean="0"/>
+              <a:rPr lang="en-US"/>
               <a:t>Click to edit Master title style</a:t>
             </a:r>
-            <a:endParaRPr lang="en-US"/>
           </a:p>
         </p:txBody>
       </p:sp>
@@ -2661,38 +2657,37 @@
           <a:p>
             <a:pPr lvl="0"/>
             <a:r>
-              <a:rPr lang="en-US" smtClean="0"/>
+              <a:rPr lang="en-US"/>
               <a:t>Click to edit Master text styles</a:t>
             </a:r>
           </a:p>
           <a:p>
             <a:pPr lvl="1"/>
             <a:r>
-              <a:rPr lang="en-US" smtClean="0"/>
+              <a:rPr lang="en-US"/>
               <a:t>Second level</a:t>
             </a:r>
           </a:p>
           <a:p>
             <a:pPr lvl="2"/>
             <a:r>
-              <a:rPr lang="en-US" smtClean="0"/>
+              <a:rPr lang="en-US"/>
               <a:t>Third level</a:t>
             </a:r>
           </a:p>
           <a:p>
             <a:pPr lvl="3"/>
             <a:r>
-              <a:rPr lang="en-US" smtClean="0"/>
+              <a:rPr lang="en-US"/>
               <a:t>Fourth level</a:t>
             </a:r>
           </a:p>
           <a:p>
             <a:pPr lvl="4"/>
             <a:r>
-              <a:rPr lang="en-US" smtClean="0"/>
+              <a:rPr lang="en-US"/>
               <a:t>Fifth level</a:t>
             </a:r>
-            <a:endParaRPr lang="en-US"/>
           </a:p>
         </p:txBody>
       </p:sp>
@@ -2731,7 +2726,7 @@
           <a:p>
             <a:fld id="{17C56B74-080E-4B5F-9FC6-14C2AADA9F3A}" type="datetimeFigureOut">
               <a:rPr lang="en-US" smtClean="0"/>
-              <a:t>6/13/19</a:t>
+              <a:t>1/7/21</a:t>
             </a:fld>
             <a:endParaRPr lang="en-US"/>
           </a:p>
@@ -3124,17 +3119,16 @@
           <a:lstStyle/>
           <a:p>
             <a:r>
-              <a:rPr lang="en-US" dirty="0" smtClean="0"/>
+              <a:rPr lang="en-US" dirty="0"/>
               <a:t>R Workshop, Abstract Bonus</a:t>
             </a:r>
             <a:br>
-              <a:rPr lang="en-US" dirty="0" smtClean="0"/>
+              <a:rPr lang="en-US" dirty="0"/>
             </a:br>
             <a:r>
-              <a:rPr lang="en-US" dirty="0" smtClean="0"/>
+              <a:rPr lang="en-US" dirty="0"/>
               <a:t>How various stats packages 'think'</a:t>
             </a:r>
-            <a:endParaRPr lang="en-US" dirty="0"/>
           </a:p>
         </p:txBody>
       </p:sp>
@@ -3168,8 +3162,8 @@
           </a:p>
           <a:p>
             <a:r>
-              <a:rPr lang="en-US"/>
-              <a:t>SER 2019</a:t>
+              <a:rPr lang="en-US" dirty="0"/>
+              <a:t>SER 2020</a:t>
             </a:r>
           </a:p>
           <a:p>
@@ -3212,14 +3206,14 @@
           </a:ln>
           <a:extLst>
             <a:ext uri="{909E8E84-426E-40dd-AFC4-6F175D3DCCD1}">
-              <a14:hiddenFill xmlns:a14="http://schemas.microsoft.com/office/drawing/2010/main">
+              <a14:hiddenFill xmlns:a14="http://schemas.microsoft.com/office/drawing/2010/main" xmlns="">
                 <a:solidFill>
                   <a:schemeClr val="accent1"/>
                 </a:solidFill>
               </a14:hiddenFill>
             </a:ext>
             <a:ext uri="{91240B29-F687-4f45-9708-019B960494DF}">
-              <a14:hiddenLine xmlns:a14="http://schemas.microsoft.com/office/drawing/2010/main" w="9525">
+              <a14:hiddenLine xmlns:a14="http://schemas.microsoft.com/office/drawing/2010/main" xmlns="" w="9525">
                 <a:solidFill>
                   <a:schemeClr val="tx1"/>
                 </a:solidFill>
@@ -3266,14 +3260,14 @@
           </a:ln>
           <a:extLst>
             <a:ext uri="{909E8E84-426E-40dd-AFC4-6F175D3DCCD1}">
-              <a14:hiddenFill xmlns:a14="http://schemas.microsoft.com/office/drawing/2010/main">
+              <a14:hiddenFill xmlns:a14="http://schemas.microsoft.com/office/drawing/2010/main" xmlns="">
                 <a:solidFill>
                   <a:schemeClr val="accent1"/>
                 </a:solidFill>
               </a14:hiddenFill>
             </a:ext>
             <a:ext uri="{91240B29-F687-4f45-9708-019B960494DF}">
-              <a14:hiddenLine xmlns:a14="http://schemas.microsoft.com/office/drawing/2010/main" w="9525">
+              <a14:hiddenLine xmlns:a14="http://schemas.microsoft.com/office/drawing/2010/main" xmlns="" w="9525">
                 <a:solidFill>
                   <a:schemeClr val="tx1"/>
                 </a:solidFill>
@@ -3331,10 +3325,9 @@
           <a:lstStyle/>
           <a:p>
             <a:r>
-              <a:rPr lang="en-US" dirty="0" smtClean="0"/>
+              <a:rPr lang="en-US" dirty="0"/>
               <a:t>R</a:t>
             </a:r>
-            <a:endParaRPr lang="en-US" dirty="0"/>
           </a:p>
         </p:txBody>
       </p:sp>
@@ -3360,115 +3353,75 @@
             </a:pPr>
             <a:r>
               <a:rPr lang="en-US" dirty="0"/>
-              <a:t>C</a:t>
-            </a:r>
-            <a:r>
-              <a:rPr lang="en-US" dirty="0" smtClean="0"/>
-              <a:t>onsider </a:t>
-            </a:r>
-            <a:r>
-              <a:rPr lang="en-US" dirty="0"/>
-              <a:t>the following R statement:</a:t>
+              <a:t>Consider the following R statement:</a:t>
             </a:r>
           </a:p>
           <a:p>
             <a:pPr marL="0" indent="0">
               <a:buNone/>
             </a:pPr>
-            <a:endParaRPr lang="en-US" dirty="0" smtClean="0"/>
+            <a:endParaRPr lang="en-US" dirty="0"/>
           </a:p>
           <a:p>
             <a:pPr marL="0" indent="0">
               <a:buNone/>
             </a:pPr>
             <a:r>
-              <a:rPr lang="en-US" dirty="0" smtClean="0"/>
+              <a:rPr lang="en-US" dirty="0"/>
               <a:t>	</a:t>
-            </a:r>
-            <a:r>
-              <a:rPr lang="en-US" dirty="0" smtClean="0">
-                <a:latin typeface="Courier New" panose="02070309020205020404" pitchFamily="49" charset="0"/>
-                <a:cs typeface="Courier New" panose="02070309020205020404" pitchFamily="49" charset="0"/>
-              </a:rPr>
-              <a:t>table(XYZ$X</a:t>
             </a:r>
             <a:r>
               <a:rPr lang="en-US" dirty="0">
                 <a:latin typeface="Courier New" panose="02070309020205020404" pitchFamily="49" charset="0"/>
                 <a:cs typeface="Courier New" panose="02070309020205020404" pitchFamily="49" charset="0"/>
               </a:rPr>
-              <a:t>, XYZ$Y, na.rm=TRUE)</a:t>
+              <a:t>table(XYZ$X, XYZ$Y, na.rm=TRUE)</a:t>
             </a:r>
           </a:p>
           <a:p>
             <a:pPr marL="0" indent="0">
               <a:buNone/>
             </a:pPr>
-            <a:endParaRPr lang="en-US" dirty="0" smtClean="0"/>
+            <a:endParaRPr lang="en-US" dirty="0"/>
           </a:p>
           <a:p>
             <a:pPr marL="0" indent="0">
               <a:buNone/>
             </a:pPr>
             <a:r>
-              <a:rPr lang="en-US" dirty="0" smtClean="0"/>
-              <a:t>table </a:t>
-            </a:r>
-            <a:r>
-              <a:rPr lang="en-US" dirty="0"/>
-              <a:t>is the type of thing.</a:t>
+              <a:rPr lang="en-US" dirty="0"/>
+              <a:t>table is the type of thing.</a:t>
             </a:r>
           </a:p>
           <a:p>
             <a:pPr marL="0" indent="0">
               <a:buNone/>
             </a:pPr>
-            <a:endParaRPr lang="en-US" dirty="0" smtClean="0"/>
+            <a:endParaRPr lang="en-US" dirty="0"/>
           </a:p>
           <a:p>
             <a:pPr marL="0" indent="0">
               <a:buNone/>
             </a:pPr>
             <a:r>
-              <a:rPr lang="en-US" dirty="0" smtClean="0"/>
-              <a:t>XYZ$X </a:t>
-            </a:r>
-            <a:r>
-              <a:rPr lang="en-US" dirty="0"/>
-              <a:t>and XYZ$Y are the data.</a:t>
+              <a:rPr lang="en-US" dirty="0"/>
+              <a:t>XYZ$X and XYZ$Y are the data.</a:t>
             </a:r>
           </a:p>
           <a:p>
             <a:pPr marL="0" indent="0">
               <a:buNone/>
             </a:pPr>
-            <a:endParaRPr lang="en-US" dirty="0" smtClean="0"/>
+            <a:endParaRPr lang="en-US" dirty="0"/>
           </a:p>
           <a:p>
             <a:pPr marL="0" indent="0">
               <a:buNone/>
             </a:pPr>
             <a:r>
-              <a:rPr lang="en-US" dirty="0" smtClean="0"/>
-              <a:t>na.rm=TRUE </a:t>
-            </a:r>
-            <a:r>
-              <a:rPr lang="en-US" dirty="0"/>
-              <a:t>is how </a:t>
-            </a:r>
-            <a:r>
-              <a:rPr lang="en-US" dirty="0" smtClean="0"/>
-              <a:t>specifically </a:t>
-            </a:r>
-            <a:r>
-              <a:rPr lang="en-US" dirty="0"/>
-              <a:t>to handle missing </a:t>
-            </a:r>
-            <a:r>
-              <a:rPr lang="en-US" dirty="0" smtClean="0"/>
-              <a:t>data</a:t>
-            </a:r>
-            <a:endParaRPr lang="en-US" dirty="0"/>
+              <a:rPr lang="en-US" dirty="0"/>
+              <a:t>na.rm=TRUE is how specifically to handle missing data</a:t>
+            </a:r>
           </a:p>
         </p:txBody>
       </p:sp>
@@ -3508,14 +3461,14 @@
           <a:effectLst/>
           <a:extLst>
             <a:ext uri="{909E8E84-426E-40dd-AFC4-6F175D3DCCD1}">
-              <a14:hiddenFill xmlns:a14="http://schemas.microsoft.com/office/drawing/2010/main">
+              <a14:hiddenFill xmlns:a14="http://schemas.microsoft.com/office/drawing/2010/main" xmlns="">
                 <a:solidFill>
                   <a:schemeClr val="accent1"/>
                 </a:solidFill>
               </a14:hiddenFill>
             </a:ext>
             <a:ext uri="{91240B29-F687-4f45-9708-019B960494DF}">
-              <a14:hiddenLine xmlns:a14="http://schemas.microsoft.com/office/drawing/2010/main" w="9525">
+              <a14:hiddenLine xmlns:a14="http://schemas.microsoft.com/office/drawing/2010/main" xmlns="" w="9525">
                 <a:solidFill>
                   <a:schemeClr val="tx1"/>
                 </a:solidFill>
@@ -3525,7 +3478,7 @@
               </a14:hiddenLine>
             </a:ext>
             <a:ext uri="{AF507438-7753-43e0-B8FC-AC1667EBCBE1}">
-              <a14:hiddenEffects xmlns:a14="http://schemas.microsoft.com/office/drawing/2010/main">
+              <a14:hiddenEffects xmlns:a14="http://schemas.microsoft.com/office/drawing/2010/main" xmlns="">
                 <a:effectLst>
                   <a:outerShdw dist="35921" dir="2700000" algn="ctr" rotWithShape="0">
                     <a:schemeClr val="bg2"/>
@@ -3546,13 +3499,6 @@
   <p:clrMapOvr>
     <a:masterClrMapping/>
   </p:clrMapOvr>
-  <p:timing>
-    <p:tnLst>
-      <p:par>
-        <p:cTn xmlns:p14="http://schemas.microsoft.com/office/powerpoint/2010/main" id="1" dur="indefinite" restart="never" nodeType="tmRoot"/>
-      </p:par>
-    </p:tnLst>
-  </p:timing>
 </p:sld>
 </file>
 
@@ -3589,10 +3535,9 @@
           <a:lstStyle/>
           <a:p>
             <a:r>
-              <a:rPr lang="en-US" dirty="0" smtClean="0"/>
+              <a:rPr lang="en-US" dirty="0"/>
               <a:t>Effects of statements</a:t>
             </a:r>
-            <a:endParaRPr lang="en-US" dirty="0"/>
           </a:p>
         </p:txBody>
       </p:sp>
@@ -3617,110 +3562,70 @@
               <a:buNone/>
             </a:pPr>
             <a:r>
-              <a:rPr lang="en-US" dirty="0" smtClean="0"/>
-              <a:t>SAS </a:t>
-            </a:r>
-            <a:r>
-              <a:rPr lang="en-US" dirty="0"/>
-              <a:t>and SPSS:</a:t>
-            </a:r>
-          </a:p>
-          <a:p>
-            <a:r>
-              <a:rPr lang="en-US" dirty="0" smtClean="0"/>
+              <a:rPr lang="en-US" dirty="0"/>
+              <a:t>SAS and SPSS:</a:t>
+            </a:r>
+          </a:p>
+          <a:p>
+            <a:r>
+              <a:rPr lang="en-US" dirty="0"/>
               <a:t>Output displays in output window</a:t>
             </a:r>
+          </a:p>
+          <a:p>
+            <a:r>
+              <a:rPr lang="en-US" dirty="0"/>
+              <a:t>Programmer knows which procedures modify the data</a:t>
+            </a:r>
+          </a:p>
+          <a:p>
             <a:endParaRPr lang="en-US" dirty="0"/>
           </a:p>
           <a:p>
-            <a:r>
-              <a:rPr lang="en-US" dirty="0" smtClean="0"/>
-              <a:t>Programmer knows which </a:t>
-            </a:r>
-            <a:r>
-              <a:rPr lang="en-US" dirty="0"/>
-              <a:t>procedures modify the data</a:t>
-            </a:r>
-          </a:p>
-          <a:p>
-            <a:endParaRPr lang="en-US" dirty="0" smtClean="0"/>
-          </a:p>
-          <a:p>
             <a:pPr marL="0" indent="0">
               <a:buNone/>
             </a:pPr>
             <a:r>
-              <a:rPr lang="en-US" dirty="0" smtClean="0"/>
-              <a:t>R</a:t>
-            </a:r>
-            <a:r>
-              <a:rPr lang="en-US" dirty="0"/>
-              <a:t>:</a:t>
-            </a:r>
-          </a:p>
-          <a:p>
-            <a:r>
-              <a:rPr lang="en-US" dirty="0" smtClean="0"/>
-              <a:t>Function (typically) </a:t>
-            </a:r>
-            <a:r>
-              <a:rPr lang="en-US" dirty="0"/>
-              <a:t>returns an object whose default display </a:t>
-            </a:r>
-            <a:r>
-              <a:rPr lang="en-US" dirty="0" smtClean="0"/>
-              <a:t>is the </a:t>
-            </a:r>
-            <a:r>
-              <a:rPr lang="en-US" dirty="0"/>
-              <a:t>result of interest.</a:t>
-            </a:r>
-          </a:p>
-          <a:p>
-            <a:r>
-              <a:rPr lang="en-US" dirty="0" smtClean="0"/>
-              <a:t>That object can be passed to </a:t>
-            </a:r>
-            <a:r>
-              <a:rPr lang="en-US" dirty="0"/>
-              <a:t>the next programming </a:t>
-            </a:r>
-            <a:r>
-              <a:rPr lang="en-US" dirty="0" smtClean="0"/>
-              <a:t>step, e.g.</a:t>
-            </a:r>
-          </a:p>
-          <a:p>
-            <a:endParaRPr lang="en-US" dirty="0" smtClean="0"/>
+              <a:rPr lang="en-US" dirty="0"/>
+              <a:t>R:</a:t>
+            </a:r>
+          </a:p>
+          <a:p>
+            <a:r>
+              <a:rPr lang="en-US" dirty="0"/>
+              <a:t>Function (typically) returns an object whose default display is the result of interest.</a:t>
+            </a:r>
+          </a:p>
+          <a:p>
+            <a:r>
+              <a:rPr lang="en-US" dirty="0"/>
+              <a:t>That object can be passed to the next programming step, e.g.</a:t>
+            </a:r>
+          </a:p>
+          <a:p>
+            <a:endParaRPr lang="en-US" dirty="0"/>
           </a:p>
           <a:p>
             <a:pPr marL="0" indent="0">
               <a:buNone/>
             </a:pPr>
             <a:r>
-              <a:rPr lang="en-US" dirty="0" smtClean="0"/>
+              <a:rPr lang="en-US" dirty="0"/>
               <a:t>	</a:t>
             </a:r>
             <a:r>
-              <a:rPr lang="en-US" sz="2600" dirty="0" err="1" smtClean="0">
+              <a:rPr lang="en-US" sz="2600" dirty="0" err="1">
                 <a:latin typeface="Courier New" panose="02070309020205020404" pitchFamily="49" charset="0"/>
                 <a:cs typeface="Courier New" panose="02070309020205020404" pitchFamily="49" charset="0"/>
               </a:rPr>
               <a:t>chisq.test</a:t>
             </a:r>
             <a:r>
-              <a:rPr lang="en-US" sz="2600" dirty="0" smtClean="0">
-                <a:latin typeface="Courier New" panose="02070309020205020404" pitchFamily="49" charset="0"/>
-                <a:cs typeface="Courier New" panose="02070309020205020404" pitchFamily="49" charset="0"/>
-              </a:rPr>
-              <a:t>(table(XYZ$X</a:t>
-            </a:r>
-            <a:r>
               <a:rPr lang="en-US" sz="2600" dirty="0">
                 <a:latin typeface="Courier New" panose="02070309020205020404" pitchFamily="49" charset="0"/>
                 <a:cs typeface="Courier New" panose="02070309020205020404" pitchFamily="49" charset="0"/>
               </a:rPr>
-              <a:t>, XYZ$Y, na.rm=TRUE))</a:t>
+              <a:t>(table(XYZ$X, XYZ$Y, na.rm=TRUE))</a:t>
             </a:r>
           </a:p>
         </p:txBody>
@@ -3761,14 +3666,14 @@
           <a:effectLst/>
           <a:extLst>
             <a:ext uri="{909E8E84-426E-40dd-AFC4-6F175D3DCCD1}">
-              <a14:hiddenFill xmlns:a14="http://schemas.microsoft.com/office/drawing/2010/main">
+              <a14:hiddenFill xmlns:a14="http://schemas.microsoft.com/office/drawing/2010/main" xmlns="">
                 <a:solidFill>
                   <a:schemeClr val="accent1"/>
                 </a:solidFill>
               </a14:hiddenFill>
             </a:ext>
             <a:ext uri="{91240B29-F687-4f45-9708-019B960494DF}">
-              <a14:hiddenLine xmlns:a14="http://schemas.microsoft.com/office/drawing/2010/main" w="9525">
+              <a14:hiddenLine xmlns:a14="http://schemas.microsoft.com/office/drawing/2010/main" xmlns="" w="9525">
                 <a:solidFill>
                   <a:schemeClr val="tx1"/>
                 </a:solidFill>
@@ -3778,7 +3683,7 @@
               </a14:hiddenLine>
             </a:ext>
             <a:ext uri="{AF507438-7753-43e0-B8FC-AC1667EBCBE1}">
-              <a14:hiddenEffects xmlns:a14="http://schemas.microsoft.com/office/drawing/2010/main">
+              <a14:hiddenEffects xmlns:a14="http://schemas.microsoft.com/office/drawing/2010/main" xmlns="">
                 <a:effectLst>
                   <a:outerShdw dist="35921" dir="2700000" algn="ctr" rotWithShape="0">
                     <a:schemeClr val="bg2"/>
@@ -3799,13 +3704,6 @@
   <p:clrMapOvr>
     <a:masterClrMapping/>
   </p:clrMapOvr>
-  <p:timing>
-    <p:tnLst>
-      <p:par>
-        <p:cTn xmlns:p14="http://schemas.microsoft.com/office/powerpoint/2010/main" id="1" dur="indefinite" restart="never" nodeType="tmRoot"/>
-      </p:par>
-    </p:tnLst>
-  </p:timing>
 </p:sld>
 </file>
 
@@ -3842,10 +3740,9 @@
           <a:lstStyle/>
           <a:p>
             <a:r>
-              <a:rPr lang="en-US" dirty="0" smtClean="0"/>
+              <a:rPr lang="en-US" dirty="0"/>
               <a:t>Back from the abstract…</a:t>
             </a:r>
-            <a:endParaRPr lang="en-US" dirty="0"/>
           </a:p>
         </p:txBody>
       </p:sp>
@@ -3903,14 +3800,14 @@
           </a:ln>
           <a:extLst>
             <a:ext uri="{909E8E84-426E-40dd-AFC4-6F175D3DCCD1}">
-              <a14:hiddenFill xmlns:a14="http://schemas.microsoft.com/office/drawing/2010/main">
+              <a14:hiddenFill xmlns:a14="http://schemas.microsoft.com/office/drawing/2010/main" xmlns="">
                 <a:solidFill>
                   <a:schemeClr val="accent1"/>
                 </a:solidFill>
               </a14:hiddenFill>
             </a:ext>
             <a:ext uri="{91240B29-F687-4f45-9708-019B960494DF}">
-              <a14:hiddenLine xmlns:a14="http://schemas.microsoft.com/office/drawing/2010/main" w="9525">
+              <a14:hiddenLine xmlns:a14="http://schemas.microsoft.com/office/drawing/2010/main" xmlns="" w="9525">
                 <a:solidFill>
                   <a:schemeClr val="tx1"/>
                 </a:solidFill>
@@ -3954,7 +3851,7 @@
           <a:noFill/>
           <a:extLst>
             <a:ext uri="{909E8E84-426E-40dd-AFC4-6F175D3DCCD1}">
-              <a14:hiddenFill xmlns:a14="http://schemas.microsoft.com/office/drawing/2010/main">
+              <a14:hiddenFill xmlns:a14="http://schemas.microsoft.com/office/drawing/2010/main" xmlns="">
                 <a:solidFill>
                   <a:srgbClr val="FFFFFF"/>
                 </a:solidFill>
@@ -3976,7 +3873,7 @@
   <p:timing>
     <p:tnLst>
       <p:par>
-        <p:cTn xmlns:p14="http://schemas.microsoft.com/office/powerpoint/2010/main" id="1" dur="indefinite" restart="never" nodeType="tmRoot">
+        <p:cTn id="1" dur="indefinite" restart="never" nodeType="tmRoot">
           <p:childTnLst>
             <p:seq concurrent="1" nextAc="seek">
               <p:cTn id="2" dur="indefinite" nodeType="mainSeq">
@@ -4084,10 +3981,9 @@
           <a:lstStyle/>
           <a:p>
             <a:r>
-              <a:rPr lang="en-US" dirty="0" smtClean="0"/>
+              <a:rPr lang="en-US" dirty="0"/>
               <a:t>Going abstract…</a:t>
             </a:r>
-            <a:endParaRPr lang="en-US" dirty="0"/>
           </a:p>
         </p:txBody>
       </p:sp>
@@ -4126,14 +4022,14 @@
           </a:ln>
           <a:extLst>
             <a:ext uri="{909E8E84-426E-40dd-AFC4-6F175D3DCCD1}">
-              <a14:hiddenFill xmlns:a14="http://schemas.microsoft.com/office/drawing/2010/main">
+              <a14:hiddenFill xmlns:a14="http://schemas.microsoft.com/office/drawing/2010/main" xmlns="">
                 <a:solidFill>
                   <a:schemeClr val="accent1"/>
                 </a:solidFill>
               </a14:hiddenFill>
             </a:ext>
             <a:ext uri="{91240B29-F687-4f45-9708-019B960494DF}">
-              <a14:hiddenLine xmlns:a14="http://schemas.microsoft.com/office/drawing/2010/main" w="9525">
+              <a14:hiddenLine xmlns:a14="http://schemas.microsoft.com/office/drawing/2010/main" xmlns="" w="9525">
                 <a:solidFill>
                   <a:schemeClr val="tx1"/>
                 </a:solidFill>
@@ -4158,7 +4054,7 @@
   <p:timing>
     <p:tnLst>
       <p:par>
-        <p:cTn xmlns:p14="http://schemas.microsoft.com/office/powerpoint/2010/main" id="1" dur="indefinite" restart="never" nodeType="tmRoot">
+        <p:cTn id="1" dur="indefinite" restart="never" nodeType="tmRoot">
           <p:childTnLst>
             <p:seq concurrent="1" nextAc="seek">
               <p:cTn id="2" dur="indefinite" nodeType="mainSeq">
@@ -4288,10 +4184,9 @@
           <a:lstStyle/>
           <a:p>
             <a:r>
-              <a:rPr lang="en-US" dirty="0" smtClean="0"/>
+              <a:rPr lang="en-US" dirty="0"/>
               <a:t>R vs. SAS/SPSS</a:t>
             </a:r>
-            <a:endParaRPr lang="en-US" dirty="0"/>
           </a:p>
         </p:txBody>
       </p:sp>
@@ -4314,13 +4209,8 @@
           <a:p>
             <a:r>
               <a:rPr lang="en-US" sz="4000" dirty="0"/>
-              <a:t>In my experience, data analysis is usually an iterative process</a:t>
-            </a:r>
-            <a:r>
-              <a:rPr lang="en-US" sz="4000" dirty="0" smtClean="0"/>
-              <a:t>:</a:t>
-            </a:r>
-            <a:endParaRPr lang="en-US" sz="4000" dirty="0"/>
+              <a:t>In my experience, data analysis is usually an iterative process:</a:t>
+            </a:r>
           </a:p>
           <a:p>
             <a:pPr marL="971550" lvl="1" indent="-514350">
@@ -4328,20 +4218,8 @@
               <a:buAutoNum type="arabicPeriod"/>
             </a:pPr>
             <a:r>
-              <a:rPr lang="en-US" dirty="0" smtClean="0"/>
-              <a:t>Massage </a:t>
-            </a:r>
-            <a:r>
-              <a:rPr lang="en-US" dirty="0"/>
-              <a:t>data (merge datasets, select the items you want to </a:t>
-            </a:r>
-            <a:r>
-              <a:rPr lang="en-US" dirty="0" smtClean="0"/>
-              <a:t>analyze, ensure </a:t>
-            </a:r>
-            <a:r>
-              <a:rPr lang="en-US" dirty="0"/>
-              <a:t>measures are created properly, </a:t>
+              <a:rPr lang="en-US" dirty="0"/>
+              <a:t>Massage data (merge datasets, select the items you want to analyze, ensure measures are created properly, </a:t>
             </a:r>
             <a:r>
               <a:rPr lang="en-US" dirty="0" err="1"/>
@@ -4358,12 +4236,8 @@
               <a:buAutoNum type="arabicPeriod"/>
             </a:pPr>
             <a:r>
-              <a:rPr lang="en-US" dirty="0" smtClean="0"/>
-              <a:t>Call </a:t>
-            </a:r>
-            <a:r>
-              <a:rPr lang="en-US" dirty="0"/>
-              <a:t>some procedure to do analytic step (e.g. look at 2x2 table)</a:t>
+              <a:rPr lang="en-US" dirty="0"/>
+              <a:t>Call some procedure to do analytic step (e.g. look at 2x2 table)</a:t>
             </a:r>
           </a:p>
           <a:p>
@@ -4372,16 +4246,8 @@
               <a:buAutoNum type="arabicPeriod"/>
             </a:pPr>
             <a:r>
-              <a:rPr lang="en-US" dirty="0" smtClean="0"/>
-              <a:t>Interpret </a:t>
-            </a:r>
-            <a:r>
-              <a:rPr lang="en-US" dirty="0"/>
-              <a:t>output &amp; generate new questions (back to step 1 or 2</a:t>
-            </a:r>
-            <a:r>
-              <a:rPr lang="en-US" dirty="0" smtClean="0"/>
-              <a:t>)</a:t>
+              <a:rPr lang="en-US" dirty="0"/>
+              <a:t>Interpret output &amp; generate new questions (back to step 1 or 2)</a:t>
             </a:r>
           </a:p>
           <a:p>
@@ -4394,42 +4260,17 @@
           <a:p>
             <a:r>
               <a:rPr lang="en-US" sz="4000" dirty="0"/>
-              <a:t>In SAS (&amp; SPSS(?)), data massage mostly happens in DATA </a:t>
-            </a:r>
-            <a:r>
-              <a:rPr lang="en-US" sz="4000" dirty="0" smtClean="0"/>
-              <a:t>statements and </a:t>
-            </a:r>
+              <a:t>In SAS (&amp; SPSS(?)), data massage mostly happens in DATA statements and analysis mostly happens in PROC steps.</a:t>
+            </a:r>
+          </a:p>
+          <a:p>
+            <a:endParaRPr lang="en-US" sz="4000" dirty="0"/>
+          </a:p>
+          <a:p>
             <a:r>
               <a:rPr lang="en-US" sz="4000" dirty="0"/>
-              <a:t>analysis mostly happens in PROC steps.</a:t>
-            </a:r>
-          </a:p>
-          <a:p>
-            <a:endParaRPr lang="en-US" sz="4000" dirty="0" smtClean="0"/>
-          </a:p>
-          <a:p>
-            <a:r>
-              <a:rPr lang="en-US" sz="4000" dirty="0" smtClean="0"/>
-              <a:t>In </a:t>
-            </a:r>
-            <a:r>
-              <a:rPr lang="en-US" sz="4000" dirty="0"/>
-              <a:t>R, there's no formal separation between massage and analysis: we </a:t>
-            </a:r>
-            <a:r>
-              <a:rPr lang="en-US" sz="4000" dirty="0" smtClean="0"/>
-              <a:t>use similar </a:t>
-            </a:r>
-            <a:r>
-              <a:rPr lang="en-US" sz="4000" dirty="0"/>
-              <a:t>functions for both</a:t>
-            </a:r>
-            <a:r>
-              <a:rPr lang="en-US" sz="4000" dirty="0" smtClean="0"/>
-              <a:t>.</a:t>
-            </a:r>
-            <a:endParaRPr lang="en-US" sz="4000" dirty="0"/>
+              <a:t>In R, there's no formal separation between massage and analysis: we use similar functions for both.</a:t>
+            </a:r>
           </a:p>
         </p:txBody>
       </p:sp>
@@ -4469,14 +4310,14 @@
           <a:effectLst/>
           <a:extLst>
             <a:ext uri="{909E8E84-426E-40dd-AFC4-6F175D3DCCD1}">
-              <a14:hiddenFill xmlns:a14="http://schemas.microsoft.com/office/drawing/2010/main">
+              <a14:hiddenFill xmlns:a14="http://schemas.microsoft.com/office/drawing/2010/main" xmlns="">
                 <a:solidFill>
                   <a:schemeClr val="accent1"/>
                 </a:solidFill>
               </a14:hiddenFill>
             </a:ext>
             <a:ext uri="{91240B29-F687-4f45-9708-019B960494DF}">
-              <a14:hiddenLine xmlns:a14="http://schemas.microsoft.com/office/drawing/2010/main" w="9525">
+              <a14:hiddenLine xmlns:a14="http://schemas.microsoft.com/office/drawing/2010/main" xmlns="" w="9525">
                 <a:solidFill>
                   <a:schemeClr val="tx1"/>
                 </a:solidFill>
@@ -4486,7 +4327,7 @@
               </a14:hiddenLine>
             </a:ext>
             <a:ext uri="{AF507438-7753-43e0-B8FC-AC1667EBCBE1}">
-              <a14:hiddenEffects xmlns:a14="http://schemas.microsoft.com/office/drawing/2010/main">
+              <a14:hiddenEffects xmlns:a14="http://schemas.microsoft.com/office/drawing/2010/main" xmlns="">
                 <a:effectLst>
                   <a:outerShdw dist="35921" dir="2700000" algn="ctr" rotWithShape="0">
                     <a:schemeClr val="bg2"/>
@@ -4507,13 +4348,6 @@
   <p:clrMapOvr>
     <a:masterClrMapping/>
   </p:clrMapOvr>
-  <p:timing>
-    <p:tnLst>
-      <p:par>
-        <p:cTn xmlns:p14="http://schemas.microsoft.com/office/powerpoint/2010/main" id="1" dur="indefinite" restart="never" nodeType="tmRoot"/>
-      </p:par>
-    </p:tnLst>
-  </p:timing>
 </p:sld>
 </file>
 
@@ -4550,10 +4384,9 @@
           <a:lstStyle/>
           <a:p>
             <a:r>
-              <a:rPr lang="en-US" dirty="0" smtClean="0"/>
+              <a:rPr lang="en-US" dirty="0"/>
               <a:t>What commands do…</a:t>
             </a:r>
-            <a:endParaRPr lang="en-US" dirty="0"/>
           </a:p>
         </p:txBody>
       </p:sp>
@@ -4579,15 +4412,7 @@
             </a:pPr>
             <a:r>
               <a:rPr lang="en-US" dirty="0"/>
-              <a:t>Most </a:t>
-            </a:r>
-            <a:r>
-              <a:rPr lang="en-US" dirty="0" smtClean="0"/>
-              <a:t>procedures </a:t>
-            </a:r>
-            <a:r>
-              <a:rPr lang="en-US" dirty="0"/>
-              <a:t>actually have similar components:</a:t>
+              <a:t>Most procedures actually have similar components:</a:t>
             </a:r>
           </a:p>
           <a:p>
@@ -4601,12 +4426,8 @@
               <a:buNone/>
             </a:pPr>
             <a:r>
-              <a:rPr lang="en-US" dirty="0" smtClean="0"/>
-              <a:t>Three </a:t>
-            </a:r>
-            <a:r>
-              <a:rPr lang="en-US" dirty="0"/>
-              <a:t>classes of thing you tell the statistical program:</a:t>
+              <a:rPr lang="en-US" dirty="0"/>
+              <a:t>Three classes of thing you tell the statistical program:</a:t>
             </a:r>
           </a:p>
           <a:p>
@@ -4615,12 +4436,8 @@
               <a:buAutoNum type="arabicPeriod"/>
             </a:pPr>
             <a:r>
-              <a:rPr lang="en-US" dirty="0" smtClean="0"/>
-              <a:t>What </a:t>
-            </a:r>
-            <a:r>
-              <a:rPr lang="en-US" dirty="0"/>
-              <a:t>type of operation to do</a:t>
+              <a:rPr lang="en-US" dirty="0"/>
+              <a:t>What type of operation to do</a:t>
             </a:r>
           </a:p>
           <a:p>
@@ -4629,12 +4446,8 @@
               <a:buAutoNum type="arabicPeriod"/>
             </a:pPr>
             <a:r>
-              <a:rPr lang="en-US" dirty="0" smtClean="0"/>
-              <a:t>How specifically </a:t>
-            </a:r>
-            <a:r>
-              <a:rPr lang="en-US" dirty="0"/>
-              <a:t>to do it</a:t>
+              <a:rPr lang="en-US" dirty="0"/>
+              <a:t>How specifically to do it</a:t>
             </a:r>
           </a:p>
           <a:p>
@@ -4643,12 +4456,8 @@
               <a:buAutoNum type="arabicPeriod"/>
             </a:pPr>
             <a:r>
-              <a:rPr lang="en-US" dirty="0" smtClean="0"/>
-              <a:t>A </a:t>
-            </a:r>
-            <a:r>
-              <a:rPr lang="en-US" dirty="0"/>
-              <a:t>dataset to do it on</a:t>
+              <a:rPr lang="en-US" dirty="0"/>
+              <a:t>A dataset to do it on</a:t>
             </a:r>
           </a:p>
           <a:p>
@@ -4662,12 +4471,8 @@
               <a:buNone/>
             </a:pPr>
             <a:r>
-              <a:rPr lang="en-US" dirty="0" smtClean="0"/>
-              <a:t>Two </a:t>
-            </a:r>
-            <a:r>
-              <a:rPr lang="en-US" dirty="0"/>
-              <a:t>types of thing happen when you run the code:</a:t>
+              <a:rPr lang="en-US" dirty="0"/>
+              <a:t>Two types of thing happen when you run the code:</a:t>
             </a:r>
           </a:p>
           <a:p>
@@ -4676,12 +4481,8 @@
               <a:buAutoNum type="arabicPeriod"/>
             </a:pPr>
             <a:r>
-              <a:rPr lang="en-US" dirty="0" smtClean="0"/>
-              <a:t>Changes </a:t>
-            </a:r>
-            <a:r>
-              <a:rPr lang="en-US" dirty="0"/>
-              <a:t>get made to the data</a:t>
+              <a:rPr lang="en-US" dirty="0"/>
+              <a:t>Changes get made to the data</a:t>
             </a:r>
           </a:p>
           <a:p>
@@ -4690,16 +4491,8 @@
               <a:buAutoNum type="arabicPeriod"/>
             </a:pPr>
             <a:r>
-              <a:rPr lang="en-US" dirty="0" smtClean="0"/>
-              <a:t>Output </a:t>
-            </a:r>
-            <a:r>
-              <a:rPr lang="en-US" dirty="0"/>
-              <a:t>or results are </a:t>
-            </a:r>
-            <a:r>
-              <a:rPr lang="en-US" dirty="0" smtClean="0"/>
-              <a:t>returned</a:t>
+              <a:rPr lang="en-US" dirty="0"/>
+              <a:t>Output or results are returned</a:t>
             </a:r>
           </a:p>
           <a:p>
@@ -4714,13 +4507,8 @@
             </a:pPr>
             <a:r>
               <a:rPr lang="en-US" dirty="0"/>
-              <a:t>Let's look at how this plays out in SAS, SPSS, and R</a:t>
-            </a:r>
-            <a:r>
-              <a:rPr lang="en-US" dirty="0" smtClean="0"/>
-              <a:t>...</a:t>
-            </a:r>
-            <a:endParaRPr lang="en-US" dirty="0"/>
+              <a:t>Let's look at how this plays out in SAS, SPSS, and R...</a:t>
+            </a:r>
           </a:p>
         </p:txBody>
       </p:sp>
@@ -4760,14 +4548,14 @@
           <a:effectLst/>
           <a:extLst>
             <a:ext uri="{909E8E84-426E-40dd-AFC4-6F175D3DCCD1}">
-              <a14:hiddenFill xmlns:a14="http://schemas.microsoft.com/office/drawing/2010/main">
+              <a14:hiddenFill xmlns:a14="http://schemas.microsoft.com/office/drawing/2010/main" xmlns="">
                 <a:solidFill>
                   <a:schemeClr val="accent1"/>
                 </a:solidFill>
               </a14:hiddenFill>
             </a:ext>
             <a:ext uri="{91240B29-F687-4f45-9708-019B960494DF}">
-              <a14:hiddenLine xmlns:a14="http://schemas.microsoft.com/office/drawing/2010/main" w="9525">
+              <a14:hiddenLine xmlns:a14="http://schemas.microsoft.com/office/drawing/2010/main" xmlns="" w="9525">
                 <a:solidFill>
                   <a:schemeClr val="tx1"/>
                 </a:solidFill>
@@ -4777,7 +4565,7 @@
               </a14:hiddenLine>
             </a:ext>
             <a:ext uri="{AF507438-7753-43e0-B8FC-AC1667EBCBE1}">
-              <a14:hiddenEffects xmlns:a14="http://schemas.microsoft.com/office/drawing/2010/main">
+              <a14:hiddenEffects xmlns:a14="http://schemas.microsoft.com/office/drawing/2010/main" xmlns="">
                 <a:effectLst>
                   <a:outerShdw dist="35921" dir="2700000" algn="ctr" rotWithShape="0">
                     <a:schemeClr val="bg2"/>
@@ -4798,13 +4586,6 @@
   <p:clrMapOvr>
     <a:masterClrMapping/>
   </p:clrMapOvr>
-  <p:timing>
-    <p:tnLst>
-      <p:par>
-        <p:cTn xmlns:p14="http://schemas.microsoft.com/office/powerpoint/2010/main" id="1" dur="indefinite" restart="never" nodeType="tmRoot"/>
-      </p:par>
-    </p:tnLst>
-  </p:timing>
 </p:sld>
 </file>
 
@@ -4841,10 +4622,9 @@
           <a:lstStyle/>
           <a:p>
             <a:r>
-              <a:rPr lang="en-US" dirty="0" smtClean="0"/>
+              <a:rPr lang="en-US" dirty="0"/>
               <a:t>SAS</a:t>
             </a:r>
-            <a:endParaRPr lang="en-US" dirty="0"/>
           </a:p>
         </p:txBody>
       </p:sp>
@@ -4867,27 +4647,7 @@
           <a:p>
             <a:r>
               <a:rPr lang="en-US" dirty="0"/>
-              <a:t>T</a:t>
-            </a:r>
-            <a:r>
-              <a:rPr lang="en-US" dirty="0" smtClean="0"/>
-              <a:t>ype </a:t>
-            </a:r>
-            <a:r>
-              <a:rPr lang="en-US" dirty="0"/>
-              <a:t>of thing to </a:t>
-            </a:r>
-            <a:r>
-              <a:rPr lang="en-US" dirty="0" smtClean="0"/>
-              <a:t>do: DATA </a:t>
-            </a:r>
-            <a:r>
-              <a:rPr lang="en-US" dirty="0"/>
-              <a:t>or PROC XYZ statement</a:t>
-            </a:r>
-            <a:r>
-              <a:rPr lang="en-US" dirty="0" smtClean="0"/>
-              <a:t>.</a:t>
+              <a:t>Type of thing to do: DATA or PROC XYZ statement.</a:t>
             </a:r>
           </a:p>
           <a:p>
@@ -4896,19 +4656,7 @@
           <a:p>
             <a:r>
               <a:rPr lang="en-US" dirty="0"/>
-              <a:t>D</a:t>
-            </a:r>
-            <a:r>
-              <a:rPr lang="en-US" dirty="0" smtClean="0"/>
-              <a:t>ataset </a:t>
-            </a:r>
-            <a:r>
-              <a:rPr lang="en-US" dirty="0"/>
-              <a:t>to </a:t>
-            </a:r>
-            <a:r>
-              <a:rPr lang="en-US" dirty="0" smtClean="0"/>
-              <a:t>use:</a:t>
+              <a:t>Dataset to use:</a:t>
             </a:r>
           </a:p>
           <a:p>
@@ -4916,16 +4664,8 @@
               <a:buNone/>
             </a:pPr>
             <a:r>
-              <a:rPr lang="en-US" dirty="0" smtClean="0"/>
-              <a:t>	data=XYZ </a:t>
-            </a:r>
-            <a:r>
-              <a:rPr lang="en-US" dirty="0"/>
-              <a:t>for </a:t>
-            </a:r>
-            <a:r>
-              <a:rPr lang="en-US" dirty="0" smtClean="0"/>
-              <a:t>PROC XYZ</a:t>
+              <a:rPr lang="en-US" dirty="0"/>
+              <a:t>	data=XYZ for PROC XYZ</a:t>
             </a:r>
           </a:p>
           <a:p>
@@ -4934,37 +4674,16 @@
             </a:pPr>
             <a:r>
               <a:rPr lang="en-US" dirty="0"/>
-              <a:t>	</a:t>
-            </a:r>
-            <a:r>
-              <a:rPr lang="en-US" dirty="0" smtClean="0"/>
-              <a:t>set XYZ for DATA </a:t>
-            </a:r>
+              <a:t>	set XYZ for DATA </a:t>
+            </a:r>
+          </a:p>
+          <a:p>
             <a:endParaRPr lang="en-US" dirty="0"/>
           </a:p>
           <a:p>
-            <a:endParaRPr lang="en-US" dirty="0" smtClean="0"/>
-          </a:p>
-          <a:p>
-            <a:r>
-              <a:rPr lang="en-US" dirty="0" smtClean="0"/>
-              <a:t>And </a:t>
-            </a:r>
-            <a:r>
-              <a:rPr lang="en-US" dirty="0"/>
-              <a:t>everything else is how </a:t>
-            </a:r>
-            <a:r>
-              <a:rPr lang="en-US" dirty="0" smtClean="0"/>
-              <a:t>specifically </a:t>
-            </a:r>
-            <a:r>
-              <a:rPr lang="en-US" dirty="0"/>
-              <a:t>to do it</a:t>
-            </a:r>
-            <a:r>
-              <a:rPr lang="en-US" dirty="0" smtClean="0"/>
-              <a:t>.</a:t>
+            <a:r>
+              <a:rPr lang="en-US" dirty="0"/>
+              <a:t>And everything else is how specifically to do it.</a:t>
             </a:r>
           </a:p>
         </p:txBody>
@@ -5005,14 +4724,14 @@
           <a:effectLst/>
           <a:extLst>
             <a:ext uri="{909E8E84-426E-40dd-AFC4-6F175D3DCCD1}">
-              <a14:hiddenFill xmlns:a14="http://schemas.microsoft.com/office/drawing/2010/main">
+              <a14:hiddenFill xmlns:a14="http://schemas.microsoft.com/office/drawing/2010/main" xmlns="">
                 <a:solidFill>
                   <a:schemeClr val="accent1"/>
                 </a:solidFill>
               </a14:hiddenFill>
             </a:ext>
             <a:ext uri="{91240B29-F687-4f45-9708-019B960494DF}">
-              <a14:hiddenLine xmlns:a14="http://schemas.microsoft.com/office/drawing/2010/main" w="9525">
+              <a14:hiddenLine xmlns:a14="http://schemas.microsoft.com/office/drawing/2010/main" xmlns="" w="9525">
                 <a:solidFill>
                   <a:schemeClr val="tx1"/>
                 </a:solidFill>
@@ -5022,7 +4741,7 @@
               </a14:hiddenLine>
             </a:ext>
             <a:ext uri="{AF507438-7753-43e0-B8FC-AC1667EBCBE1}">
-              <a14:hiddenEffects xmlns:a14="http://schemas.microsoft.com/office/drawing/2010/main">
+              <a14:hiddenEffects xmlns:a14="http://schemas.microsoft.com/office/drawing/2010/main" xmlns="">
                 <a:effectLst>
                   <a:outerShdw dist="35921" dir="2700000" algn="ctr" rotWithShape="0">
                     <a:schemeClr val="bg2"/>
@@ -5043,13 +4762,6 @@
   <p:clrMapOvr>
     <a:masterClrMapping/>
   </p:clrMapOvr>
-  <p:timing>
-    <p:tnLst>
-      <p:par>
-        <p:cTn xmlns:p14="http://schemas.microsoft.com/office/powerpoint/2010/main" id="1" dur="indefinite" restart="never" nodeType="tmRoot"/>
-      </p:par>
-    </p:tnLst>
-  </p:timing>
 </p:sld>
 </file>
 
@@ -5086,10 +4798,9 @@
           <a:lstStyle/>
           <a:p>
             <a:r>
-              <a:rPr lang="en-US" dirty="0" smtClean="0"/>
+              <a:rPr lang="en-US" dirty="0"/>
               <a:t>SAS</a:t>
             </a:r>
-            <a:endParaRPr lang="en-US" dirty="0"/>
           </a:p>
         </p:txBody>
       </p:sp>
@@ -5114,19 +4825,15 @@
               <a:buNone/>
             </a:pPr>
             <a:r>
-              <a:rPr lang="en-US" dirty="0" smtClean="0"/>
-              <a:t>Consider </a:t>
-            </a:r>
-            <a:r>
-              <a:rPr lang="en-US" dirty="0"/>
-              <a:t>the following SAS statement:</a:t>
+              <a:rPr lang="en-US" dirty="0"/>
+              <a:t>Consider the following SAS statement:</a:t>
             </a:r>
           </a:p>
           <a:p>
             <a:pPr marL="0" indent="0">
               <a:buNone/>
             </a:pPr>
-            <a:endParaRPr lang="en-US" dirty="0" smtClean="0">
+            <a:endParaRPr lang="en-US" dirty="0">
               <a:latin typeface="Courier New" panose="02070309020205020404" pitchFamily="49" charset="0"/>
               <a:cs typeface="Courier New" panose="02070309020205020404" pitchFamily="49" charset="0"/>
             </a:endParaRPr>
@@ -5135,24 +4842,13 @@
             <a:pPr marL="0" indent="0">
               <a:buNone/>
             </a:pPr>
-            <a:r>
-              <a:rPr lang="en-US" dirty="0" smtClean="0">
-                <a:latin typeface="Courier New" panose="02070309020205020404" pitchFamily="49" charset="0"/>
-                <a:cs typeface="Courier New" panose="02070309020205020404" pitchFamily="49" charset="0"/>
-              </a:rPr>
-              <a:t>PROC </a:t>
-            </a:r>
             <a:r>
               <a:rPr lang="en-US" dirty="0">
                 <a:latin typeface="Courier New" panose="02070309020205020404" pitchFamily="49" charset="0"/>
                 <a:cs typeface="Courier New" panose="02070309020205020404" pitchFamily="49" charset="0"/>
               </a:rPr>
-              <a:t>FREQ DATA=XYZ; </a:t>
-            </a:r>
-            <a:endParaRPr lang="en-US" dirty="0" smtClean="0">
-              <a:latin typeface="Courier New" panose="02070309020205020404" pitchFamily="49" charset="0"/>
-              <a:cs typeface="Courier New" panose="02070309020205020404" pitchFamily="49" charset="0"/>
-            </a:endParaRPr>
+              <a:t>PROC FREQ DATA=XYZ; </a:t>
+            </a:r>
           </a:p>
           <a:p>
             <a:pPr marL="0" indent="0">
@@ -5163,63 +4859,43 @@
                 <a:latin typeface="Courier New" panose="02070309020205020404" pitchFamily="49" charset="0"/>
                 <a:cs typeface="Courier New" panose="02070309020205020404" pitchFamily="49" charset="0"/>
               </a:rPr>
-              <a:t>	</a:t>
-            </a:r>
-            <a:r>
-              <a:rPr lang="en-US" dirty="0" smtClean="0">
-                <a:latin typeface="Courier New" panose="02070309020205020404" pitchFamily="49" charset="0"/>
-                <a:cs typeface="Courier New" panose="02070309020205020404" pitchFamily="49" charset="0"/>
-              </a:rPr>
-              <a:t>table </a:t>
-            </a:r>
+              <a:t>	table X*Y/missing; </a:t>
+            </a:r>
+          </a:p>
+          <a:p>
+            <a:pPr marL="0" indent="0">
+              <a:buNone/>
+            </a:pPr>
             <a:r>
               <a:rPr lang="en-US" dirty="0">
                 <a:latin typeface="Courier New" panose="02070309020205020404" pitchFamily="49" charset="0"/>
                 <a:cs typeface="Courier New" panose="02070309020205020404" pitchFamily="49" charset="0"/>
               </a:rPr>
-              <a:t>X*Y/missing; </a:t>
-            </a:r>
-            <a:endParaRPr lang="en-US" dirty="0" smtClean="0">
-              <a:latin typeface="Courier New" panose="02070309020205020404" pitchFamily="49" charset="0"/>
-              <a:cs typeface="Courier New" panose="02070309020205020404" pitchFamily="49" charset="0"/>
-            </a:endParaRPr>
+              <a:t>RUN;</a:t>
+            </a:r>
           </a:p>
           <a:p>
             <a:pPr marL="0" indent="0">
               <a:buNone/>
             </a:pPr>
-            <a:r>
-              <a:rPr lang="en-US" dirty="0" smtClean="0">
-                <a:latin typeface="Courier New" panose="02070309020205020404" pitchFamily="49" charset="0"/>
-                <a:cs typeface="Courier New" panose="02070309020205020404" pitchFamily="49" charset="0"/>
-              </a:rPr>
-              <a:t>RUN</a:t>
-            </a:r>
-            <a:r>
-              <a:rPr lang="en-US" dirty="0">
-                <a:latin typeface="Courier New" panose="02070309020205020404" pitchFamily="49" charset="0"/>
-                <a:cs typeface="Courier New" panose="02070309020205020404" pitchFamily="49" charset="0"/>
-              </a:rPr>
-              <a:t>;</a:t>
-            </a:r>
+            <a:endParaRPr lang="en-US" dirty="0"/>
           </a:p>
           <a:p>
             <a:pPr marL="0" indent="0">
               <a:buNone/>
             </a:pPr>
-            <a:endParaRPr lang="en-US" dirty="0" smtClean="0"/>
+            <a:r>
+              <a:rPr lang="en-US" dirty="0"/>
+              <a:t>FREQ is the type of thing.</a:t>
+            </a:r>
           </a:p>
           <a:p>
             <a:pPr marL="0" indent="0">
               <a:buNone/>
             </a:pPr>
             <a:r>
-              <a:rPr lang="en-US" dirty="0" smtClean="0"/>
-              <a:t>FREQ </a:t>
-            </a:r>
-            <a:r>
-              <a:rPr lang="en-US" dirty="0"/>
-              <a:t>is the type of thing.</a:t>
+              <a:rPr lang="en-US" dirty="0"/>
+              <a:t>XYZ is the dataset (and the X*Y specifies the columns).</a:t>
             </a:r>
           </a:p>
           <a:p>
@@ -5228,32 +4904,7 @@
             </a:pPr>
             <a:r>
               <a:rPr lang="en-US" dirty="0"/>
-              <a:t>XYZ is the dataset (and the X*Y </a:t>
-            </a:r>
-            <a:r>
-              <a:rPr lang="en-US" dirty="0" smtClean="0"/>
-              <a:t>specifies </a:t>
-            </a:r>
-            <a:r>
-              <a:rPr lang="en-US" dirty="0"/>
-              <a:t>the columns).</a:t>
-            </a:r>
-          </a:p>
-          <a:p>
-            <a:pPr marL="0" indent="0">
-              <a:buNone/>
-            </a:pPr>
-            <a:r>
-              <a:rPr lang="en-US" dirty="0"/>
-              <a:t>/missing is how </a:t>
-            </a:r>
-            <a:r>
-              <a:rPr lang="en-US" dirty="0" smtClean="0"/>
-              <a:t>specifically </a:t>
-            </a:r>
-            <a:r>
-              <a:rPr lang="en-US" dirty="0"/>
-              <a:t>to do the FREQ</a:t>
+              <a:t>/missing is how specifically to do the FREQ</a:t>
             </a:r>
           </a:p>
           <a:p>
@@ -5297,14 +4948,14 @@
           <a:effectLst/>
           <a:extLst>
             <a:ext uri="{909E8E84-426E-40dd-AFC4-6F175D3DCCD1}">
-              <a14:hiddenFill xmlns:a14="http://schemas.microsoft.com/office/drawing/2010/main">
+              <a14:hiddenFill xmlns:a14="http://schemas.microsoft.com/office/drawing/2010/main" xmlns="">
                 <a:solidFill>
                   <a:schemeClr val="accent1"/>
                 </a:solidFill>
               </a14:hiddenFill>
             </a:ext>
             <a:ext uri="{91240B29-F687-4f45-9708-019B960494DF}">
-              <a14:hiddenLine xmlns:a14="http://schemas.microsoft.com/office/drawing/2010/main" w="9525">
+              <a14:hiddenLine xmlns:a14="http://schemas.microsoft.com/office/drawing/2010/main" xmlns="" w="9525">
                 <a:solidFill>
                   <a:schemeClr val="tx1"/>
                 </a:solidFill>
@@ -5314,7 +4965,7 @@
               </a14:hiddenLine>
             </a:ext>
             <a:ext uri="{AF507438-7753-43e0-B8FC-AC1667EBCBE1}">
-              <a14:hiddenEffects xmlns:a14="http://schemas.microsoft.com/office/drawing/2010/main">
+              <a14:hiddenEffects xmlns:a14="http://schemas.microsoft.com/office/drawing/2010/main" xmlns="">
                 <a:effectLst>
                   <a:outerShdw dist="35921" dir="2700000" algn="ctr" rotWithShape="0">
                     <a:schemeClr val="bg2"/>
@@ -5335,13 +4986,6 @@
   <p:clrMapOvr>
     <a:masterClrMapping/>
   </p:clrMapOvr>
-  <p:timing>
-    <p:tnLst>
-      <p:par>
-        <p:cTn xmlns:p14="http://schemas.microsoft.com/office/powerpoint/2010/main" id="1" dur="indefinite" restart="never" nodeType="tmRoot"/>
-      </p:par>
-    </p:tnLst>
-  </p:timing>
 </p:sld>
 </file>
 
@@ -5378,52 +5022,39 @@
           <a:lstStyle/>
           <a:p>
             <a:r>
-              <a:rPr lang="en-US" dirty="0" smtClean="0"/>
+              <a:rPr lang="en-US" dirty="0"/>
               <a:t>SPSS</a:t>
             </a:r>
+          </a:p>
+        </p:txBody>
+      </p:sp>
+      <p:sp>
+        <p:nvSpPr>
+          <p:cNvPr id="3" name="Content Placeholder 2"/>
+          <p:cNvSpPr>
+            <a:spLocks noGrp="1"/>
+          </p:cNvSpPr>
+          <p:nvPr>
+            <p:ph idx="1"/>
+          </p:nvPr>
+        </p:nvSpPr>
+        <p:spPr/>
+        <p:txBody>
+          <a:bodyPr/>
+          <a:lstStyle/>
+          <a:p>
+            <a:r>
+              <a:rPr lang="en-US" dirty="0"/>
+              <a:t>The type of thing to do is the statement type.</a:t>
+            </a:r>
+          </a:p>
+          <a:p>
             <a:endParaRPr lang="en-US" dirty="0"/>
           </a:p>
-        </p:txBody>
-      </p:sp>
-      <p:sp>
-        <p:nvSpPr>
-          <p:cNvPr id="3" name="Content Placeholder 2"/>
-          <p:cNvSpPr>
-            <a:spLocks noGrp="1"/>
-          </p:cNvSpPr>
-          <p:nvPr>
-            <p:ph idx="1"/>
-          </p:nvPr>
-        </p:nvSpPr>
-        <p:spPr/>
-        <p:txBody>
-          <a:bodyPr/>
-          <a:lstStyle/>
-          <a:p>
-            <a:r>
-              <a:rPr lang="en-US" dirty="0" smtClean="0"/>
-              <a:t>The </a:t>
-            </a:r>
-            <a:r>
-              <a:rPr lang="en-US" dirty="0"/>
-              <a:t>type of thing to do is the statement type.</a:t>
-            </a:r>
-          </a:p>
-          <a:p>
-            <a:endParaRPr lang="en-US" dirty="0" smtClean="0"/>
-          </a:p>
-          <a:p>
-            <a:r>
-              <a:rPr lang="en-US" dirty="0" smtClean="0"/>
-              <a:t>The </a:t>
-            </a:r>
-            <a:r>
-              <a:rPr lang="en-US" dirty="0"/>
-              <a:t>dataset is implicit based on a previous DATA statement</a:t>
-            </a:r>
-            <a:r>
-              <a:rPr lang="en-US" dirty="0" smtClean="0"/>
-              <a:t>.</a:t>
+          <a:p>
+            <a:r>
+              <a:rPr lang="en-US" dirty="0"/>
+              <a:t>The dataset is implicit based on a previous DATA statement.</a:t>
             </a:r>
           </a:p>
           <a:p>
@@ -5431,20 +5062,8 @@
           </a:p>
           <a:p>
             <a:r>
-              <a:rPr lang="en-US" dirty="0" smtClean="0"/>
-              <a:t>And </a:t>
-            </a:r>
-            <a:r>
-              <a:rPr lang="en-US" dirty="0"/>
-              <a:t>everything else is how </a:t>
-            </a:r>
-            <a:r>
-              <a:rPr lang="en-US" dirty="0" smtClean="0"/>
-              <a:t>specifically </a:t>
-            </a:r>
-            <a:r>
-              <a:rPr lang="en-US" dirty="0"/>
-              <a:t>to do it.</a:t>
+              <a:rPr lang="en-US" dirty="0"/>
+              <a:t>And everything else is how specifically to do it.</a:t>
             </a:r>
           </a:p>
         </p:txBody>
@@ -5485,14 +5104,14 @@
           <a:effectLst/>
           <a:extLst>
             <a:ext uri="{909E8E84-426E-40dd-AFC4-6F175D3DCCD1}">
-              <a14:hiddenFill xmlns:a14="http://schemas.microsoft.com/office/drawing/2010/main">
+              <a14:hiddenFill xmlns:a14="http://schemas.microsoft.com/office/drawing/2010/main" xmlns="">
                 <a:solidFill>
                   <a:schemeClr val="accent1"/>
                 </a:solidFill>
               </a14:hiddenFill>
             </a:ext>
             <a:ext uri="{91240B29-F687-4f45-9708-019B960494DF}">
-              <a14:hiddenLine xmlns:a14="http://schemas.microsoft.com/office/drawing/2010/main" w="9525">
+              <a14:hiddenLine xmlns:a14="http://schemas.microsoft.com/office/drawing/2010/main" xmlns="" w="9525">
                 <a:solidFill>
                   <a:schemeClr val="tx1"/>
                 </a:solidFill>
@@ -5502,7 +5121,7 @@
               </a14:hiddenLine>
             </a:ext>
             <a:ext uri="{AF507438-7753-43e0-B8FC-AC1667EBCBE1}">
-              <a14:hiddenEffects xmlns:a14="http://schemas.microsoft.com/office/drawing/2010/main">
+              <a14:hiddenEffects xmlns:a14="http://schemas.microsoft.com/office/drawing/2010/main" xmlns="">
                 <a:effectLst>
                   <a:outerShdw dist="35921" dir="2700000" algn="ctr" rotWithShape="0">
                     <a:schemeClr val="bg2"/>
@@ -5523,13 +5142,6 @@
   <p:clrMapOvr>
     <a:masterClrMapping/>
   </p:clrMapOvr>
-  <p:timing>
-    <p:tnLst>
-      <p:par>
-        <p:cTn xmlns:p14="http://schemas.microsoft.com/office/powerpoint/2010/main" id="1" dur="indefinite" restart="never" nodeType="tmRoot"/>
-      </p:par>
-    </p:tnLst>
-  </p:timing>
 </p:sld>
 </file>
 
@@ -5566,10 +5178,9 @@
           <a:lstStyle/>
           <a:p>
             <a:r>
-              <a:rPr lang="en-US" dirty="0" smtClean="0"/>
+              <a:rPr lang="en-US" dirty="0"/>
               <a:t>SPSS</a:t>
             </a:r>
-            <a:endParaRPr lang="en-US" dirty="0"/>
           </a:p>
         </p:txBody>
       </p:sp>
@@ -5594,7 +5205,7 @@
               <a:buNone/>
             </a:pPr>
             <a:r>
-              <a:rPr lang="en-US" dirty="0" smtClean="0"/>
+              <a:rPr lang="en-US" dirty="0"/>
               <a:t>Consider the following SPSS statement:</a:t>
             </a:r>
           </a:p>
@@ -5602,7 +5213,7 @@
             <a:pPr marL="0" indent="0">
               <a:buNone/>
             </a:pPr>
-            <a:endParaRPr lang="en-US" dirty="0" smtClean="0">
+            <a:endParaRPr lang="en-US" dirty="0">
               <a:latin typeface="Courier New" panose="02070309020205020404" pitchFamily="49" charset="0"/>
               <a:cs typeface="Courier New" panose="02070309020205020404" pitchFamily="49" charset="0"/>
             </a:endParaRPr>
@@ -5612,107 +5223,77 @@
               <a:buNone/>
             </a:pPr>
             <a:r>
-              <a:rPr lang="en-US" dirty="0" smtClean="0">
+              <a:rPr lang="en-US" dirty="0">
                 <a:latin typeface="Courier New" panose="02070309020205020404" pitchFamily="49" charset="0"/>
                 <a:cs typeface="Courier New" panose="02070309020205020404" pitchFamily="49" charset="0"/>
               </a:rPr>
               <a:t>crosstabs</a:t>
             </a:r>
-            <a:endParaRPr lang="en-US" dirty="0">
-              <a:latin typeface="Courier New" panose="02070309020205020404" pitchFamily="49" charset="0"/>
-              <a:cs typeface="Courier New" panose="02070309020205020404" pitchFamily="49" charset="0"/>
-            </a:endParaRPr>
           </a:p>
           <a:p>
             <a:pPr marL="0" indent="0">
               <a:buNone/>
             </a:pPr>
-            <a:r>
-              <a:rPr lang="en-US" dirty="0" smtClean="0">
-                <a:latin typeface="Courier New" panose="02070309020205020404" pitchFamily="49" charset="0"/>
-                <a:cs typeface="Courier New" panose="02070309020205020404" pitchFamily="49" charset="0"/>
-              </a:rPr>
-              <a:t>	/</a:t>
-            </a:r>
             <a:r>
               <a:rPr lang="en-US" dirty="0">
                 <a:latin typeface="Courier New" panose="02070309020205020404" pitchFamily="49" charset="0"/>
                 <a:cs typeface="Courier New" panose="02070309020205020404" pitchFamily="49" charset="0"/>
               </a:rPr>
-              <a:t>tables X by Y</a:t>
+              <a:t>	/tables X by Y</a:t>
             </a:r>
           </a:p>
           <a:p>
             <a:pPr marL="0" indent="0">
               <a:buNone/>
             </a:pPr>
-            <a:r>
-              <a:rPr lang="en-US" dirty="0" smtClean="0">
-                <a:latin typeface="Courier New" panose="02070309020205020404" pitchFamily="49" charset="0"/>
-                <a:cs typeface="Courier New" panose="02070309020205020404" pitchFamily="49" charset="0"/>
-              </a:rPr>
-              <a:t>	/</a:t>
-            </a:r>
             <a:r>
               <a:rPr lang="en-US" dirty="0">
                 <a:latin typeface="Courier New" panose="02070309020205020404" pitchFamily="49" charset="0"/>
                 <a:cs typeface="Courier New" panose="02070309020205020404" pitchFamily="49" charset="0"/>
               </a:rPr>
-              <a:t>missing=report</a:t>
-            </a:r>
-          </a:p>
-          <a:p>
-            <a:endParaRPr lang="en-US" dirty="0" smtClean="0"/>
+              <a:t>	/missing=report</a:t>
+            </a:r>
+          </a:p>
+          <a:p>
+            <a:endParaRPr lang="en-US" dirty="0"/>
           </a:p>
           <a:p>
             <a:pPr marL="0" indent="0">
               <a:buNone/>
             </a:pPr>
             <a:r>
-              <a:rPr lang="en-US" dirty="0" smtClean="0"/>
-              <a:t>crosstabs </a:t>
-            </a:r>
-            <a:r>
-              <a:rPr lang="en-US" dirty="0"/>
-              <a:t>is the type of thing.</a:t>
+              <a:rPr lang="en-US" dirty="0"/>
+              <a:t>crosstabs is the type of thing.</a:t>
             </a:r>
           </a:p>
           <a:p>
             <a:pPr marL="0" indent="0">
               <a:buNone/>
             </a:pPr>
-            <a:endParaRPr lang="en-US" dirty="0" smtClean="0"/>
+            <a:endParaRPr lang="en-US" dirty="0"/>
           </a:p>
           <a:p>
             <a:pPr marL="0" indent="0">
               <a:buNone/>
             </a:pPr>
             <a:r>
-              <a:rPr lang="en-US" dirty="0" smtClean="0"/>
-              <a:t>The </a:t>
-            </a:r>
-            <a:r>
-              <a:rPr lang="en-US" dirty="0"/>
-              <a:t>current dataset is the dataset (and X by Y species the columns).</a:t>
+              <a:rPr lang="en-US" dirty="0"/>
+              <a:t>The current dataset is the dataset (and X by Y species the columns).</a:t>
             </a:r>
           </a:p>
           <a:p>
             <a:pPr marL="0" indent="0">
               <a:buNone/>
             </a:pPr>
-            <a:endParaRPr lang="en-US" dirty="0" smtClean="0"/>
+            <a:endParaRPr lang="en-US" dirty="0"/>
           </a:p>
           <a:p>
             <a:pPr marL="0" indent="0">
               <a:buNone/>
             </a:pPr>
             <a:r>
-              <a:rPr lang="en-US" dirty="0" smtClean="0"/>
-              <a:t>/</a:t>
-            </a:r>
-            <a:r>
-              <a:rPr lang="en-US" dirty="0"/>
-              <a:t>missing= report indicates how </a:t>
+              <a:rPr lang="en-US" dirty="0"/>
+              <a:t>/missing= report indicates how </a:t>
             </a:r>
             <a:r>
               <a:rPr lang="en-US" dirty="0" err="1"/>
@@ -5761,14 +5342,14 @@
           <a:effectLst/>
           <a:extLst>
             <a:ext uri="{909E8E84-426E-40dd-AFC4-6F175D3DCCD1}">
-              <a14:hiddenFill xmlns:a14="http://schemas.microsoft.com/office/drawing/2010/main">
+              <a14:hiddenFill xmlns:a14="http://schemas.microsoft.com/office/drawing/2010/main" xmlns="">
                 <a:solidFill>
                   <a:schemeClr val="accent1"/>
                 </a:solidFill>
               </a14:hiddenFill>
             </a:ext>
             <a:ext uri="{91240B29-F687-4f45-9708-019B960494DF}">
-              <a14:hiddenLine xmlns:a14="http://schemas.microsoft.com/office/drawing/2010/main" w="9525">
+              <a14:hiddenLine xmlns:a14="http://schemas.microsoft.com/office/drawing/2010/main" xmlns="" w="9525">
                 <a:solidFill>
                   <a:schemeClr val="tx1"/>
                 </a:solidFill>
@@ -5778,7 +5359,7 @@
               </a14:hiddenLine>
             </a:ext>
             <a:ext uri="{AF507438-7753-43e0-B8FC-AC1667EBCBE1}">
-              <a14:hiddenEffects xmlns:a14="http://schemas.microsoft.com/office/drawing/2010/main">
+              <a14:hiddenEffects xmlns:a14="http://schemas.microsoft.com/office/drawing/2010/main" xmlns="">
                 <a:effectLst>
                   <a:outerShdw dist="35921" dir="2700000" algn="ctr" rotWithShape="0">
                     <a:schemeClr val="bg2"/>
@@ -5799,13 +5380,6 @@
   <p:clrMapOvr>
     <a:masterClrMapping/>
   </p:clrMapOvr>
-  <p:timing>
-    <p:tnLst>
-      <p:par>
-        <p:cTn xmlns:p14="http://schemas.microsoft.com/office/powerpoint/2010/main" id="1" dur="indefinite" restart="never" nodeType="tmRoot"/>
-      </p:par>
-    </p:tnLst>
-  </p:timing>
 </p:sld>
 </file>
 
@@ -5842,62 +5416,40 @@
           <a:lstStyle/>
           <a:p>
             <a:r>
-              <a:rPr lang="en-US" dirty="0" smtClean="0"/>
+              <a:rPr lang="en-US" dirty="0"/>
               <a:t>R</a:t>
             </a:r>
+          </a:p>
+        </p:txBody>
+      </p:sp>
+      <p:sp>
+        <p:nvSpPr>
+          <p:cNvPr id="3" name="Content Placeholder 2"/>
+          <p:cNvSpPr>
+            <a:spLocks noGrp="1"/>
+          </p:cNvSpPr>
+          <p:nvPr>
+            <p:ph idx="1"/>
+          </p:nvPr>
+        </p:nvSpPr>
+        <p:spPr/>
+        <p:txBody>
+          <a:bodyPr/>
+          <a:lstStyle/>
+          <a:p>
+            <a:r>
+              <a:rPr lang="en-US" dirty="0"/>
+              <a:t>The type of thing to do is the function name</a:t>
+            </a:r>
+          </a:p>
+          <a:p>
             <a:endParaRPr lang="en-US" dirty="0"/>
           </a:p>
-        </p:txBody>
-      </p:sp>
-      <p:sp>
-        <p:nvSpPr>
-          <p:cNvPr id="3" name="Content Placeholder 2"/>
-          <p:cNvSpPr>
-            <a:spLocks noGrp="1"/>
-          </p:cNvSpPr>
-          <p:nvPr>
-            <p:ph idx="1"/>
-          </p:nvPr>
-        </p:nvSpPr>
-        <p:spPr/>
-        <p:txBody>
-          <a:bodyPr/>
-          <a:lstStyle/>
-          <a:p>
-            <a:r>
-              <a:rPr lang="en-US" dirty="0"/>
-              <a:t>The type of thing to do is the function </a:t>
-            </a:r>
-            <a:r>
-              <a:rPr lang="en-US" dirty="0" smtClean="0"/>
-              <a:t>name</a:t>
-            </a:r>
-          </a:p>
-          <a:p>
-            <a:endParaRPr lang="en-US" dirty="0"/>
-          </a:p>
-          <a:p>
-            <a:r>
-              <a:rPr lang="en-US" dirty="0" smtClean="0"/>
-              <a:t>The </a:t>
-            </a:r>
-            <a:r>
-              <a:rPr lang="en-US" dirty="0"/>
-              <a:t>dataset and how </a:t>
-            </a:r>
-            <a:r>
-              <a:rPr lang="en-US" dirty="0" smtClean="0"/>
-              <a:t>specifically </a:t>
-            </a:r>
-            <a:r>
-              <a:rPr lang="en-US" dirty="0"/>
-              <a:t>to do it are both parameters to </a:t>
-            </a:r>
-            <a:r>
-              <a:rPr lang="en-US" dirty="0" smtClean="0"/>
-              <a:t>the function</a:t>
-            </a:r>
-            <a:endParaRPr lang="en-US" dirty="0"/>
+          <a:p>
+            <a:r>
+              <a:rPr lang="en-US" dirty="0"/>
+              <a:t>The dataset and how specifically to do it are both parameters to the function</a:t>
+            </a:r>
           </a:p>
         </p:txBody>
       </p:sp>
@@ -5937,14 +5489,14 @@
           <a:effectLst/>
           <a:extLst>
             <a:ext uri="{909E8E84-426E-40dd-AFC4-6F175D3DCCD1}">
-              <a14:hiddenFill xmlns:a14="http://schemas.microsoft.com/office/drawing/2010/main">
+              <a14:hiddenFill xmlns:a14="http://schemas.microsoft.com/office/drawing/2010/main" xmlns="">
                 <a:solidFill>
                   <a:schemeClr val="accent1"/>
                 </a:solidFill>
               </a14:hiddenFill>
             </a:ext>
             <a:ext uri="{91240B29-F687-4f45-9708-019B960494DF}">
-              <a14:hiddenLine xmlns:a14="http://schemas.microsoft.com/office/drawing/2010/main" w="9525">
+              <a14:hiddenLine xmlns:a14="http://schemas.microsoft.com/office/drawing/2010/main" xmlns="" w="9525">
                 <a:solidFill>
                   <a:schemeClr val="tx1"/>
                 </a:solidFill>
@@ -5954,7 +5506,7 @@
               </a14:hiddenLine>
             </a:ext>
             <a:ext uri="{AF507438-7753-43e0-B8FC-AC1667EBCBE1}">
-              <a14:hiddenEffects xmlns:a14="http://schemas.microsoft.com/office/drawing/2010/main">
+              <a14:hiddenEffects xmlns:a14="http://schemas.microsoft.com/office/drawing/2010/main" xmlns="">
                 <a:effectLst>
                   <a:outerShdw dist="35921" dir="2700000" algn="ctr" rotWithShape="0">
                     <a:schemeClr val="bg2"/>
@@ -5975,13 +5527,6 @@
   <p:clrMapOvr>
     <a:masterClrMapping/>
   </p:clrMapOvr>
-  <p:timing>
-    <p:tnLst>
-      <p:par>
-        <p:cTn xmlns:p14="http://schemas.microsoft.com/office/powerpoint/2010/main" id="1" dur="indefinite" restart="never" nodeType="tmRoot"/>
-      </p:par>
-    </p:tnLst>
-  </p:timing>
 </p:sld>
 </file>
 
